--- a/OpenCV.pptx
+++ b/OpenCV.pptx
@@ -18,6 +18,7 @@
     <p:sldId id="268" r:id="rId12"/>
     <p:sldId id="269" r:id="rId13"/>
     <p:sldId id="270" r:id="rId14"/>
+    <p:sldId id="271" r:id="rId15"/>
   </p:sldIdLst>
   <p:sldSz cx="9144000" cy="6858000" type="screen4x3"/>
   <p:notesSz cx="6858000" cy="9144000"/>
@@ -301,7 +302,7 @@
             <a:fld id="{1D8BD707-D9CF-40AE-B4C6-C98DA3205C09}" type="datetimeFigureOut">
               <a:rPr lang="en-US" smtClean="0"/>
               <a:pPr/>
-              <a:t>12/2/2015</a:t>
+              <a:t>12/4/2015</a:t>
             </a:fld>
             <a:endParaRPr lang="en-US"/>
           </a:p>
@@ -468,7 +469,7 @@
             <a:fld id="{1D8BD707-D9CF-40AE-B4C6-C98DA3205C09}" type="datetimeFigureOut">
               <a:rPr lang="en-US" smtClean="0"/>
               <a:pPr/>
-              <a:t>12/2/2015</a:t>
+              <a:t>12/4/2015</a:t>
             </a:fld>
             <a:endParaRPr lang="en-US"/>
           </a:p>
@@ -645,7 +646,7 @@
             <a:fld id="{1D8BD707-D9CF-40AE-B4C6-C98DA3205C09}" type="datetimeFigureOut">
               <a:rPr lang="en-US" smtClean="0"/>
               <a:pPr/>
-              <a:t>12/2/2015</a:t>
+              <a:t>12/4/2015</a:t>
             </a:fld>
             <a:endParaRPr lang="en-US"/>
           </a:p>
@@ -812,7 +813,7 @@
             <a:fld id="{1D8BD707-D9CF-40AE-B4C6-C98DA3205C09}" type="datetimeFigureOut">
               <a:rPr lang="en-US" smtClean="0"/>
               <a:pPr/>
-              <a:t>12/2/2015</a:t>
+              <a:t>12/4/2015</a:t>
             </a:fld>
             <a:endParaRPr lang="en-US"/>
           </a:p>
@@ -1055,7 +1056,7 @@
             <a:fld id="{1D8BD707-D9CF-40AE-B4C6-C98DA3205C09}" type="datetimeFigureOut">
               <a:rPr lang="en-US" smtClean="0"/>
               <a:pPr/>
-              <a:t>12/2/2015</a:t>
+              <a:t>12/4/2015</a:t>
             </a:fld>
             <a:endParaRPr lang="en-US"/>
           </a:p>
@@ -1340,7 +1341,7 @@
             <a:fld id="{1D8BD707-D9CF-40AE-B4C6-C98DA3205C09}" type="datetimeFigureOut">
               <a:rPr lang="en-US" smtClean="0"/>
               <a:pPr/>
-              <a:t>12/2/2015</a:t>
+              <a:t>12/4/2015</a:t>
             </a:fld>
             <a:endParaRPr lang="en-US"/>
           </a:p>
@@ -1759,7 +1760,7 @@
             <a:fld id="{1D8BD707-D9CF-40AE-B4C6-C98DA3205C09}" type="datetimeFigureOut">
               <a:rPr lang="en-US" smtClean="0"/>
               <a:pPr/>
-              <a:t>12/2/2015</a:t>
+              <a:t>12/4/2015</a:t>
             </a:fld>
             <a:endParaRPr lang="en-US"/>
           </a:p>
@@ -1874,7 +1875,7 @@
             <a:fld id="{1D8BD707-D9CF-40AE-B4C6-C98DA3205C09}" type="datetimeFigureOut">
               <a:rPr lang="en-US" smtClean="0"/>
               <a:pPr/>
-              <a:t>12/2/2015</a:t>
+              <a:t>12/4/2015</a:t>
             </a:fld>
             <a:endParaRPr lang="en-US"/>
           </a:p>
@@ -1966,7 +1967,7 @@
             <a:fld id="{1D8BD707-D9CF-40AE-B4C6-C98DA3205C09}" type="datetimeFigureOut">
               <a:rPr lang="en-US" smtClean="0"/>
               <a:pPr/>
-              <a:t>12/2/2015</a:t>
+              <a:t>12/4/2015</a:t>
             </a:fld>
             <a:endParaRPr lang="en-US"/>
           </a:p>
@@ -2240,7 +2241,7 @@
             <a:fld id="{1D8BD707-D9CF-40AE-B4C6-C98DA3205C09}" type="datetimeFigureOut">
               <a:rPr lang="en-US" smtClean="0"/>
               <a:pPr/>
-              <a:t>12/2/2015</a:t>
+              <a:t>12/4/2015</a:t>
             </a:fld>
             <a:endParaRPr lang="en-US"/>
           </a:p>
@@ -2490,7 +2491,7 @@
             <a:fld id="{1D8BD707-D9CF-40AE-B4C6-C98DA3205C09}" type="datetimeFigureOut">
               <a:rPr lang="en-US" smtClean="0"/>
               <a:pPr/>
-              <a:t>12/2/2015</a:t>
+              <a:t>12/4/2015</a:t>
             </a:fld>
             <a:endParaRPr lang="en-US"/>
           </a:p>
@@ -2700,7 +2701,7 @@
             <a:fld id="{1D8BD707-D9CF-40AE-B4C6-C98DA3205C09}" type="datetimeFigureOut">
               <a:rPr lang="en-US" smtClean="0"/>
               <a:pPr/>
-              <a:t>12/2/2015</a:t>
+              <a:t>12/4/2015</a:t>
             </a:fld>
             <a:endParaRPr lang="en-US"/>
           </a:p>
@@ -3909,6 +3910,85 @@
     <p:extLst>
       <p:ext uri="{BB962C8B-B14F-4D97-AF65-F5344CB8AC3E}">
         <p14:creationId xmlns:p14="http://schemas.microsoft.com/office/powerpoint/2010/main" val="2882272363"/>
+      </p:ext>
+    </p:extLst>
+  </p:cSld>
+  <p:clrMapOvr>
+    <a:masterClrMapping/>
+  </p:clrMapOvr>
+</p:sld>
+</file>
+
+<file path=ppt/slides/slide14.xml><?xml version="1.0" encoding="utf-8"?>
+<p:sld xmlns:a="http://schemas.openxmlformats.org/drawingml/2006/main" xmlns:r="http://schemas.openxmlformats.org/officeDocument/2006/relationships" xmlns:p="http://schemas.openxmlformats.org/presentationml/2006/main">
+  <p:cSld>
+    <p:spTree>
+      <p:nvGrpSpPr>
+        <p:cNvPr id="1" name=""/>
+        <p:cNvGrpSpPr/>
+        <p:nvPr/>
+      </p:nvGrpSpPr>
+      <p:grpSpPr>
+        <a:xfrm>
+          <a:off x="0" y="0"/>
+          <a:ext cx="0" cy="0"/>
+          <a:chOff x="0" y="0"/>
+          <a:chExt cx="0" cy="0"/>
+        </a:xfrm>
+      </p:grpSpPr>
+      <p:sp>
+        <p:nvSpPr>
+          <p:cNvPr id="2" name="Title 1"/>
+          <p:cNvSpPr>
+            <a:spLocks noGrp="1"/>
+          </p:cNvSpPr>
+          <p:nvPr>
+            <p:ph type="title"/>
+          </p:nvPr>
+        </p:nvSpPr>
+        <p:spPr/>
+        <p:txBody>
+          <a:bodyPr/>
+          <a:lstStyle/>
+          <a:p>
+            <a:r>
+              <a:rPr lang="en-US" dirty="0" err="1" smtClean="0"/>
+              <a:t>Git</a:t>
+            </a:r>
+            <a:r>
+              <a:rPr lang="en-US" dirty="0" smtClean="0"/>
+              <a:t> address</a:t>
+            </a:r>
+            <a:endParaRPr lang="en-SG" dirty="0"/>
+          </a:p>
+        </p:txBody>
+      </p:sp>
+      <p:sp>
+        <p:nvSpPr>
+          <p:cNvPr id="3" name="Content Placeholder 2"/>
+          <p:cNvSpPr>
+            <a:spLocks noGrp="1"/>
+          </p:cNvSpPr>
+          <p:nvPr>
+            <p:ph idx="1"/>
+          </p:nvPr>
+        </p:nvSpPr>
+        <p:spPr/>
+        <p:txBody>
+          <a:bodyPr/>
+          <a:lstStyle/>
+          <a:p>
+            <a:r>
+              <a:rPr lang="en-SG" dirty="0"/>
+              <a:t>https://github.com/yyyaoyyyao/OpenCV.git</a:t>
+            </a:r>
+          </a:p>
+        </p:txBody>
+      </p:sp>
+    </p:spTree>
+    <p:extLst>
+      <p:ext uri="{BB962C8B-B14F-4D97-AF65-F5344CB8AC3E}">
+        <p14:creationId xmlns:p14="http://schemas.microsoft.com/office/powerpoint/2010/main" val="3378273427"/>
       </p:ext>
     </p:extLst>
   </p:cSld>
